--- a/final.pptx
+++ b/final.pptx
@@ -211,7 +211,7 @@
           <a:p>
             <a:fld id="{E13B6DE8-89EB-4910-BE6E-A1D1FF0DA414}" type="datetimeFigureOut">
               <a:rPr lang="en-IN" smtClean="0"/>
-              <a:t>03-04-2024</a:t>
+              <a:t>22-05-2024</a:t>
             </a:fld>
             <a:endParaRPr lang="en-IN"/>
           </a:p>
@@ -628,7 +628,7 @@
           <a:p>
             <a:fld id="{AED75D64-2596-4CD3-88B1-63A1A557245C}" type="datetimeFigureOut">
               <a:rPr lang="en-IN" smtClean="0"/>
-              <a:t>03-04-2024</a:t>
+              <a:t>22-05-2024</a:t>
             </a:fld>
             <a:endParaRPr lang="en-IN"/>
           </a:p>
@@ -828,7 +828,7 @@
           <a:p>
             <a:fld id="{AED75D64-2596-4CD3-88B1-63A1A557245C}" type="datetimeFigureOut">
               <a:rPr lang="en-IN" smtClean="0"/>
-              <a:t>03-04-2024</a:t>
+              <a:t>22-05-2024</a:t>
             </a:fld>
             <a:endParaRPr lang="en-IN"/>
           </a:p>
@@ -1038,7 +1038,7 @@
           <a:p>
             <a:fld id="{AED75D64-2596-4CD3-88B1-63A1A557245C}" type="datetimeFigureOut">
               <a:rPr lang="en-IN" smtClean="0"/>
-              <a:t>03-04-2024</a:t>
+              <a:t>22-05-2024</a:t>
             </a:fld>
             <a:endParaRPr lang="en-IN"/>
           </a:p>
@@ -1238,7 +1238,7 @@
           <a:p>
             <a:fld id="{AED75D64-2596-4CD3-88B1-63A1A557245C}" type="datetimeFigureOut">
               <a:rPr lang="en-IN" smtClean="0"/>
-              <a:t>03-04-2024</a:t>
+              <a:t>22-05-2024</a:t>
             </a:fld>
             <a:endParaRPr lang="en-IN"/>
           </a:p>
@@ -1514,7 +1514,7 @@
           <a:p>
             <a:fld id="{AED75D64-2596-4CD3-88B1-63A1A557245C}" type="datetimeFigureOut">
               <a:rPr lang="en-IN" smtClean="0"/>
-              <a:t>03-04-2024</a:t>
+              <a:t>22-05-2024</a:t>
             </a:fld>
             <a:endParaRPr lang="en-IN"/>
           </a:p>
@@ -1782,7 +1782,7 @@
           <a:p>
             <a:fld id="{AED75D64-2596-4CD3-88B1-63A1A557245C}" type="datetimeFigureOut">
               <a:rPr lang="en-IN" smtClean="0"/>
-              <a:t>03-04-2024</a:t>
+              <a:t>22-05-2024</a:t>
             </a:fld>
             <a:endParaRPr lang="en-IN"/>
           </a:p>
@@ -2197,7 +2197,7 @@
           <a:p>
             <a:fld id="{AED75D64-2596-4CD3-88B1-63A1A557245C}" type="datetimeFigureOut">
               <a:rPr lang="en-IN" smtClean="0"/>
-              <a:t>03-04-2024</a:t>
+              <a:t>22-05-2024</a:t>
             </a:fld>
             <a:endParaRPr lang="en-IN"/>
           </a:p>
@@ -2339,7 +2339,7 @@
           <a:p>
             <a:fld id="{AED75D64-2596-4CD3-88B1-63A1A557245C}" type="datetimeFigureOut">
               <a:rPr lang="en-IN" smtClean="0"/>
-              <a:t>03-04-2024</a:t>
+              <a:t>22-05-2024</a:t>
             </a:fld>
             <a:endParaRPr lang="en-IN"/>
           </a:p>
@@ -2452,7 +2452,7 @@
           <a:p>
             <a:fld id="{AED75D64-2596-4CD3-88B1-63A1A557245C}" type="datetimeFigureOut">
               <a:rPr lang="en-IN" smtClean="0"/>
-              <a:t>03-04-2024</a:t>
+              <a:t>22-05-2024</a:t>
             </a:fld>
             <a:endParaRPr lang="en-IN"/>
           </a:p>
@@ -2765,7 +2765,7 @@
           <a:p>
             <a:fld id="{AED75D64-2596-4CD3-88B1-63A1A557245C}" type="datetimeFigureOut">
               <a:rPr lang="en-IN" smtClean="0"/>
-              <a:t>03-04-2024</a:t>
+              <a:t>22-05-2024</a:t>
             </a:fld>
             <a:endParaRPr lang="en-IN"/>
           </a:p>
@@ -3054,7 +3054,7 @@
           <a:p>
             <a:fld id="{AED75D64-2596-4CD3-88B1-63A1A557245C}" type="datetimeFigureOut">
               <a:rPr lang="en-IN" smtClean="0"/>
-              <a:t>03-04-2024</a:t>
+              <a:t>22-05-2024</a:t>
             </a:fld>
             <a:endParaRPr lang="en-IN"/>
           </a:p>
@@ -3297,7 +3297,7 @@
           <a:p>
             <a:fld id="{AED75D64-2596-4CD3-88B1-63A1A557245C}" type="datetimeFigureOut">
               <a:rPr lang="en-IN" smtClean="0"/>
-              <a:t>03-04-2024</a:t>
+              <a:t>22-05-2024</a:t>
             </a:fld>
             <a:endParaRPr lang="en-IN"/>
           </a:p>
@@ -3765,7 +3765,7 @@
             </a:br>
             <a:r>
               <a:rPr lang="en-IN" sz="4900" dirty="0"/>
-              <a:t> Project Presentation (KCS 753)</a:t>
+              <a:t> Project Presentation (KCS 851)</a:t>
             </a:r>
             <a:br>
               <a:rPr lang="en-IN" sz="4900" dirty="0"/>
@@ -3814,7 +3814,7 @@
           <a:p>
             <a:r>
               <a:rPr lang="en-IN" dirty="0"/>
-              <a:t>Guide Name: Mr Pardeep Tyagi</a:t>
+              <a:t>Guide Name: Mrs Arushi Gupta</a:t>
             </a:r>
           </a:p>
           <a:p>
@@ -4454,6 +4454,12 @@
           </a:p>
           <a:p>
             <a:r>
+              <a:rPr lang="en-IN" dirty="0"/>
+              <a:t>Submitted in Multiple Conferences, waiting for Acceptance</a:t>
+            </a:r>
+          </a:p>
+          <a:p>
+            <a:r>
               <a:rPr lang="en-IN" dirty="0">
                 <a:hlinkClick r:id="rId2"/>
               </a:rPr>
@@ -5541,13 +5547,7 @@
           <a:p>
             <a:r>
               <a:rPr lang="en-IN" dirty="0"/>
-              <a:t>Soft copy submitted to guide.</a:t>
-            </a:r>
-          </a:p>
-          <a:p>
-            <a:r>
-              <a:rPr lang="en-IN" dirty="0"/>
-              <a:t>Approved at Department level.</a:t>
+              <a:t>Patent Published.</a:t>
             </a:r>
           </a:p>
           <a:p>
@@ -5560,10 +5560,10 @@
       </p:sp>
       <p:pic>
         <p:nvPicPr>
-          <p:cNvPr id="5" name="Picture 4">
-            <a:extLst>
-              <a:ext uri="{FF2B5EF4-FFF2-40B4-BE49-F238E27FC236}">
-                <a16:creationId xmlns:a16="http://schemas.microsoft.com/office/drawing/2014/main" id="{9D16D381-263E-D930-4E45-4985DE6D4AD3}"/>
+          <p:cNvPr id="6" name="Picture 5">
+            <a:extLst>
+              <a:ext uri="{FF2B5EF4-FFF2-40B4-BE49-F238E27FC236}">
+                <a16:creationId xmlns:a16="http://schemas.microsoft.com/office/drawing/2014/main" id="{6AA8C173-3BA5-AEEB-52E5-A625A4623BAF}"/>
               </a:ext>
             </a:extLst>
           </p:cNvPr>
@@ -5580,8 +5580,8 @@
         </p:blipFill>
         <p:spPr>
           <a:xfrm>
-            <a:off x="176169" y="3429000"/>
-            <a:ext cx="11579604" cy="1490224"/>
+            <a:off x="4652156" y="692311"/>
+            <a:ext cx="5975749" cy="5587405"/>
           </a:xfrm>
           <a:prstGeom prst="rect">
             <a:avLst/>
